--- a/Phase_II/Mid_Sem_Presentation.pptx
+++ b/Phase_II/Mid_Sem_Presentation.pptx
@@ -12,10 +12,13 @@
     <p:sldId id="261" r:id="rId6"/>
     <p:sldId id="262" r:id="rId7"/>
     <p:sldId id="263" r:id="rId8"/>
-    <p:sldId id="264" r:id="rId9"/>
-    <p:sldId id="265" r:id="rId10"/>
-    <p:sldId id="266" r:id="rId11"/>
-    <p:sldId id="267" r:id="rId12"/>
+    <p:sldId id="268" r:id="rId9"/>
+    <p:sldId id="264" r:id="rId10"/>
+    <p:sldId id="265" r:id="rId11"/>
+    <p:sldId id="266" r:id="rId12"/>
+    <p:sldId id="267" r:id="rId13"/>
+    <p:sldId id="269" r:id="rId14"/>
+    <p:sldId id="270" r:id="rId15"/>
   </p:sldIdLst>
   <p:sldSz cx="12192000" cy="6858000"/>
   <p:notesSz cx="6858000" cy="9144000"/>
@@ -114,6 +117,11 @@
       </a:defRPr>
     </a:lvl9pPr>
   </p:defaultTextStyle>
+  <p:extLst>
+    <p:ext uri="{EFAFB233-063F-42B5-8137-9DF3F51BA10A}">
+      <p15:sldGuideLst xmlns:p15="http://schemas.microsoft.com/office/powerpoint/2012/main"/>
+    </p:ext>
+  </p:extLst>
 </p:presentation>
 </file>
 
@@ -3002,23 +3010,7 @@
                 <a:ea typeface="Tahoma" panose="020B0604030504040204" pitchFamily="34" charset="0"/>
                 <a:cs typeface="Times New Roman" panose="02020603050405020304" pitchFamily="18" charset="0"/>
               </a:rPr>
-              <a:t>Mid</a:t>
-            </a:r>
-            <a:r>
-              <a:rPr lang="en-US" sz="5400" dirty="0" smtClean="0">
-                <a:latin typeface="Times New Roman" panose="02020603050405020304" pitchFamily="18" charset="0"/>
-                <a:ea typeface="Tahoma" panose="020B0604030504040204" pitchFamily="34" charset="0"/>
-                <a:cs typeface="Times New Roman" panose="02020603050405020304" pitchFamily="18" charset="0"/>
-              </a:rPr>
-              <a:t>-Semester </a:t>
-            </a:r>
-            <a:r>
-              <a:rPr lang="en-US" sz="5400" dirty="0" smtClean="0">
-                <a:latin typeface="Times New Roman" panose="02020603050405020304" pitchFamily="18" charset="0"/>
-                <a:ea typeface="Tahoma" panose="020B0604030504040204" pitchFamily="34" charset="0"/>
-                <a:cs typeface="Times New Roman" panose="02020603050405020304" pitchFamily="18" charset="0"/>
-              </a:rPr>
-              <a:t>Dissertation</a:t>
+              <a:t>Mid-Semester Dissertation</a:t>
             </a:r>
             <a:br>
               <a:rPr lang="en-US" sz="5400" dirty="0" smtClean="0">
@@ -3249,11 +3241,13 @@
       </p:grpSpPr>
       <p:pic>
         <p:nvPicPr>
-          <p:cNvPr id="4" name="Picture 3"/>
+          <p:cNvPr id="4" name="Content Placeholder 3"/>
           <p:cNvPicPr>
-            <a:picLocks noChangeAspect="1"/>
+            <a:picLocks noGrp="1" noChangeAspect="1"/>
           </p:cNvPicPr>
-          <p:nvPr/>
+          <p:nvPr>
+            <p:ph idx="1"/>
+          </p:nvPr>
         </p:nvPicPr>
         <p:blipFill>
           <a:blip r:embed="rId2">
@@ -3269,12 +3263,9 @@
         </p:blipFill>
         <p:spPr>
           <a:xfrm>
-            <a:off x="6241323" y="0"/>
-            <a:ext cx="5143501" cy="6858000"/>
-          </a:xfrm>
-          <a:prstGeom prst="rect">
-            <a:avLst/>
-          </a:prstGeom>
+            <a:off x="277623" y="144870"/>
+            <a:ext cx="4747224" cy="2877803"/>
+          </a:xfrm>
         </p:spPr>
       </p:pic>
       <p:pic>
@@ -3299,18 +3290,212 @@
         </p:blipFill>
         <p:spPr>
           <a:xfrm>
-            <a:off x="194855" y="0"/>
-            <a:ext cx="5143500" cy="6858000"/>
+            <a:off x="6467919" y="144869"/>
+            <a:ext cx="4747224" cy="2877803"/>
           </a:xfrm>
           <a:prstGeom prst="rect">
             <a:avLst/>
           </a:prstGeom>
         </p:spPr>
       </p:pic>
+      <p:sp>
+        <p:nvSpPr>
+          <p:cNvPr id="6" name="TextBox 5"/>
+          <p:cNvSpPr txBox="1"/>
+          <p:nvPr/>
+        </p:nvSpPr>
+        <p:spPr>
+          <a:xfrm>
+            <a:off x="1166948" y="3128341"/>
+            <a:ext cx="4519749" cy="369332"/>
+          </a:xfrm>
+          <a:prstGeom prst="rect">
+            <a:avLst/>
+          </a:prstGeom>
+          <a:noFill/>
+        </p:spPr>
+        <p:txBody>
+          <a:bodyPr wrap="square" rtlCol="0">
+            <a:spAutoFit/>
+          </a:bodyPr>
+          <a:lstStyle/>
+          <a:p>
+            <a:r>
+              <a:rPr lang="en-US" dirty="0" err="1" smtClean="0"/>
+              <a:t>Pretrained</a:t>
+            </a:r>
+            <a:r>
+              <a:rPr lang="en-US" dirty="0" smtClean="0"/>
+              <a:t>, 3 FC Layers, 8 Epochs</a:t>
+            </a:r>
+            <a:endParaRPr lang="en-US" dirty="0"/>
+          </a:p>
+        </p:txBody>
+      </p:sp>
+      <p:sp>
+        <p:nvSpPr>
+          <p:cNvPr id="7" name="TextBox 6"/>
+          <p:cNvSpPr txBox="1"/>
+          <p:nvPr/>
+        </p:nvSpPr>
+        <p:spPr>
+          <a:xfrm>
+            <a:off x="7170780" y="3128341"/>
+            <a:ext cx="4519749" cy="369332"/>
+          </a:xfrm>
+          <a:prstGeom prst="rect">
+            <a:avLst/>
+          </a:prstGeom>
+          <a:noFill/>
+        </p:spPr>
+        <p:txBody>
+          <a:bodyPr wrap="square" rtlCol="0">
+            <a:spAutoFit/>
+          </a:bodyPr>
+          <a:lstStyle/>
+          <a:p>
+            <a:r>
+              <a:rPr lang="en-US" dirty="0" err="1" smtClean="0"/>
+              <a:t>Pretrained</a:t>
+            </a:r>
+            <a:r>
+              <a:rPr lang="en-US" dirty="0" smtClean="0"/>
+              <a:t>, 6 FC Layers, 8 Epochs</a:t>
+            </a:r>
+            <a:endParaRPr lang="en-US" dirty="0"/>
+          </a:p>
+        </p:txBody>
+      </p:sp>
+      <p:pic>
+        <p:nvPicPr>
+          <p:cNvPr id="8" name="Picture 7"/>
+          <p:cNvPicPr>
+            <a:picLocks noChangeAspect="1"/>
+          </p:cNvPicPr>
+          <p:nvPr/>
+        </p:nvPicPr>
+        <p:blipFill>
+          <a:blip r:embed="rId4">
+            <a:extLst>
+              <a:ext uri="{28A0092B-C50C-407E-A947-70E740481C1C}">
+                <a14:useLocalDpi xmlns:a14="http://schemas.microsoft.com/office/drawing/2010/main" val="0"/>
+              </a:ext>
+            </a:extLst>
+          </a:blip>
+          <a:stretch>
+            <a:fillRect/>
+          </a:stretch>
+        </p:blipFill>
+        <p:spPr>
+          <a:xfrm>
+            <a:off x="2264229" y="3540816"/>
+            <a:ext cx="5319440" cy="3224685"/>
+          </a:xfrm>
+          <a:prstGeom prst="rect">
+            <a:avLst/>
+          </a:prstGeom>
+        </p:spPr>
+      </p:pic>
+      <p:sp>
+        <p:nvSpPr>
+          <p:cNvPr id="9" name="TextBox 8"/>
+          <p:cNvSpPr txBox="1"/>
+          <p:nvPr/>
+        </p:nvSpPr>
+        <p:spPr>
+          <a:xfrm>
+            <a:off x="7780379" y="5318622"/>
+            <a:ext cx="3662683" cy="369332"/>
+          </a:xfrm>
+          <a:prstGeom prst="rect">
+            <a:avLst/>
+          </a:prstGeom>
+          <a:noFill/>
+        </p:spPr>
+        <p:txBody>
+          <a:bodyPr wrap="square" rtlCol="0">
+            <a:spAutoFit/>
+          </a:bodyPr>
+          <a:lstStyle/>
+          <a:p>
+            <a:r>
+              <a:rPr lang="en-US" dirty="0" err="1" smtClean="0"/>
+              <a:t>Pretrained</a:t>
+            </a:r>
+            <a:r>
+              <a:rPr lang="en-US" dirty="0" smtClean="0"/>
+              <a:t>, 3 FC Layers, 12 Epochs</a:t>
+            </a:r>
+            <a:endParaRPr lang="en-US" dirty="0"/>
+          </a:p>
+        </p:txBody>
+      </p:sp>
+      <p:sp>
+        <p:nvSpPr>
+          <p:cNvPr id="10" name="TextBox 9"/>
+          <p:cNvSpPr txBox="1"/>
+          <p:nvPr/>
+        </p:nvSpPr>
+        <p:spPr>
+          <a:xfrm>
+            <a:off x="7881257" y="6000206"/>
+            <a:ext cx="4014652" cy="646331"/>
+          </a:xfrm>
+          <a:prstGeom prst="rect">
+            <a:avLst/>
+          </a:prstGeom>
+          <a:noFill/>
+        </p:spPr>
+        <p:txBody>
+          <a:bodyPr wrap="square" rtlCol="0">
+            <a:spAutoFit/>
+          </a:bodyPr>
+          <a:lstStyle/>
+          <a:p>
+            <a:r>
+              <a:rPr lang="en-US" dirty="0" smtClean="0"/>
+              <a:t>Total Loss Plots ~ Consisting of </a:t>
+            </a:r>
+            <a:r>
+              <a:rPr lang="en-US" dirty="0" err="1" smtClean="0"/>
+              <a:t>RoI</a:t>
+            </a:r>
+            <a:r>
+              <a:rPr lang="en-US" dirty="0" smtClean="0"/>
+              <a:t> </a:t>
+            </a:r>
+            <a:r>
+              <a:rPr lang="en-US" dirty="0" err="1" smtClean="0"/>
+              <a:t>Bbox</a:t>
+            </a:r>
+            <a:r>
+              <a:rPr lang="en-US" dirty="0" smtClean="0"/>
+              <a:t> </a:t>
+            </a:r>
+            <a:r>
+              <a:rPr lang="en-US" dirty="0"/>
+              <a:t>+</a:t>
+            </a:r>
+            <a:r>
+              <a:rPr lang="en-US" dirty="0" smtClean="0"/>
+              <a:t>Class Loss+ RPN </a:t>
+            </a:r>
+            <a:r>
+              <a:rPr lang="en-US" dirty="0" err="1" smtClean="0"/>
+              <a:t>Bbox</a:t>
+            </a:r>
+            <a:r>
+              <a:rPr lang="en-US" dirty="0" smtClean="0"/>
+              <a:t> + Class Loss</a:t>
+            </a:r>
+            <a:endParaRPr lang="en-US" dirty="0"/>
+          </a:p>
+        </p:txBody>
+      </p:sp>
     </p:spTree>
     <p:extLst>
       <p:ext uri="{BB962C8B-B14F-4D97-AF65-F5344CB8AC3E}">
-        <p14:creationId xmlns:p14="http://schemas.microsoft.com/office/powerpoint/2010/main" val="2883760677"/>
+        <p14:creationId xmlns:p14="http://schemas.microsoft.com/office/powerpoint/2010/main" val="2173142999"/>
       </p:ext>
     </p:extLst>
   </p:cSld>
@@ -3339,13 +3524,11 @@
       </p:grpSpPr>
       <p:pic>
         <p:nvPicPr>
-          <p:cNvPr id="4" name="Content Placeholder 3"/>
+          <p:cNvPr id="4" name="Picture 3"/>
           <p:cNvPicPr>
-            <a:picLocks noGrp="1" noChangeAspect="1"/>
+            <a:picLocks noChangeAspect="1"/>
           </p:cNvPicPr>
-          <p:nvPr>
-            <p:ph idx="1"/>
-          </p:nvPr>
+          <p:nvPr/>
         </p:nvPicPr>
         <p:blipFill>
           <a:blip r:embed="rId2">
@@ -3361,9 +3544,12 @@
         </p:blipFill>
         <p:spPr>
           <a:xfrm>
-            <a:off x="-1" y="1471748"/>
-            <a:ext cx="6061167" cy="4036737"/>
-          </a:xfrm>
+            <a:off x="6241323" y="0"/>
+            <a:ext cx="5143501" cy="6858000"/>
+          </a:xfrm>
+          <a:prstGeom prst="rect">
+            <a:avLst/>
+          </a:prstGeom>
         </p:spPr>
       </p:pic>
       <p:pic>
@@ -3388,6 +3574,95 @@
         </p:blipFill>
         <p:spPr>
           <a:xfrm>
+            <a:off x="194855" y="0"/>
+            <a:ext cx="5143500" cy="6858000"/>
+          </a:xfrm>
+          <a:prstGeom prst="rect">
+            <a:avLst/>
+          </a:prstGeom>
+        </p:spPr>
+      </p:pic>
+    </p:spTree>
+    <p:extLst>
+      <p:ext uri="{BB962C8B-B14F-4D97-AF65-F5344CB8AC3E}">
+        <p14:creationId xmlns:p14="http://schemas.microsoft.com/office/powerpoint/2010/main" val="2883760677"/>
+      </p:ext>
+    </p:extLst>
+  </p:cSld>
+  <p:clrMapOvr>
+    <a:masterClrMapping/>
+  </p:clrMapOvr>
+</p:sld>
+</file>
+
+<file path=ppt/slides/slide12.xml><?xml version="1.0" encoding="utf-8"?>
+<p:sld xmlns:a="http://schemas.openxmlformats.org/drawingml/2006/main" xmlns:r="http://schemas.openxmlformats.org/officeDocument/2006/relationships" xmlns:p="http://schemas.openxmlformats.org/presentationml/2006/main">
+  <p:cSld>
+    <p:spTree>
+      <p:nvGrpSpPr>
+        <p:cNvPr id="1" name=""/>
+        <p:cNvGrpSpPr/>
+        <p:nvPr/>
+      </p:nvGrpSpPr>
+      <p:grpSpPr>
+        <a:xfrm>
+          <a:off x="0" y="0"/>
+          <a:ext cx="0" cy="0"/>
+          <a:chOff x="0" y="0"/>
+          <a:chExt cx="0" cy="0"/>
+        </a:xfrm>
+      </p:grpSpPr>
+      <p:pic>
+        <p:nvPicPr>
+          <p:cNvPr id="4" name="Content Placeholder 3"/>
+          <p:cNvPicPr>
+            <a:picLocks noGrp="1" noChangeAspect="1"/>
+          </p:cNvPicPr>
+          <p:nvPr>
+            <p:ph idx="1"/>
+          </p:nvPr>
+        </p:nvPicPr>
+        <p:blipFill>
+          <a:blip r:embed="rId2">
+            <a:extLst>
+              <a:ext uri="{28A0092B-C50C-407E-A947-70E740481C1C}">
+                <a14:useLocalDpi xmlns:a14="http://schemas.microsoft.com/office/drawing/2010/main" val="0"/>
+              </a:ext>
+            </a:extLst>
+          </a:blip>
+          <a:stretch>
+            <a:fillRect/>
+          </a:stretch>
+        </p:blipFill>
+        <p:spPr>
+          <a:xfrm>
+            <a:off x="-1" y="1471748"/>
+            <a:ext cx="6061167" cy="4036737"/>
+          </a:xfrm>
+        </p:spPr>
+      </p:pic>
+      <p:pic>
+        <p:nvPicPr>
+          <p:cNvPr id="5" name="Picture 4"/>
+          <p:cNvPicPr>
+            <a:picLocks noChangeAspect="1"/>
+          </p:cNvPicPr>
+          <p:nvPr/>
+        </p:nvPicPr>
+        <p:blipFill>
+          <a:blip r:embed="rId3">
+            <a:extLst>
+              <a:ext uri="{28A0092B-C50C-407E-A947-70E740481C1C}">
+                <a14:useLocalDpi xmlns:a14="http://schemas.microsoft.com/office/drawing/2010/main" val="0"/>
+              </a:ext>
+            </a:extLst>
+          </a:blip>
+          <a:stretch>
+            <a:fillRect/>
+          </a:stretch>
+        </p:blipFill>
+        <p:spPr>
+          <a:xfrm>
             <a:off x="6061166" y="1425350"/>
             <a:ext cx="6130834" cy="4083135"/>
           </a:xfrm>
@@ -3430,6 +3705,147 @@
     <p:extLst>
       <p:ext uri="{BB962C8B-B14F-4D97-AF65-F5344CB8AC3E}">
         <p14:creationId xmlns:p14="http://schemas.microsoft.com/office/powerpoint/2010/main" val="1295997492"/>
+      </p:ext>
+    </p:extLst>
+  </p:cSld>
+  <p:clrMapOvr>
+    <a:masterClrMapping/>
+  </p:clrMapOvr>
+</p:sld>
+</file>
+
+<file path=ppt/slides/slide13.xml><?xml version="1.0" encoding="utf-8"?>
+<p:sld xmlns:a="http://schemas.openxmlformats.org/drawingml/2006/main" xmlns:r="http://schemas.openxmlformats.org/officeDocument/2006/relationships" xmlns:p="http://schemas.openxmlformats.org/presentationml/2006/main">
+  <p:cSld>
+    <p:spTree>
+      <p:nvGrpSpPr>
+        <p:cNvPr id="1" name=""/>
+        <p:cNvGrpSpPr/>
+        <p:nvPr/>
+      </p:nvGrpSpPr>
+      <p:grpSpPr>
+        <a:xfrm>
+          <a:off x="0" y="0"/>
+          <a:ext cx="0" cy="0"/>
+          <a:chOff x="0" y="0"/>
+          <a:chExt cx="0" cy="0"/>
+        </a:xfrm>
+      </p:grpSpPr>
+      <p:sp>
+        <p:nvSpPr>
+          <p:cNvPr id="2" name="Title 1"/>
+          <p:cNvSpPr>
+            <a:spLocks noGrp="1"/>
+          </p:cNvSpPr>
+          <p:nvPr>
+            <p:ph type="title"/>
+          </p:nvPr>
+        </p:nvSpPr>
+        <p:spPr/>
+        <p:txBody>
+          <a:bodyPr/>
+          <a:lstStyle/>
+          <a:p>
+            <a:r>
+              <a:rPr lang="en-US" dirty="0" smtClean="0"/>
+              <a:t>Future Work</a:t>
+            </a:r>
+            <a:endParaRPr lang="en-US" dirty="0"/>
+          </a:p>
+        </p:txBody>
+      </p:sp>
+      <p:sp>
+        <p:nvSpPr>
+          <p:cNvPr id="3" name="Content Placeholder 2"/>
+          <p:cNvSpPr>
+            <a:spLocks noGrp="1"/>
+          </p:cNvSpPr>
+          <p:nvPr>
+            <p:ph idx="1"/>
+          </p:nvPr>
+        </p:nvSpPr>
+        <p:spPr/>
+        <p:txBody>
+          <a:bodyPr/>
+          <a:lstStyle/>
+          <a:p>
+            <a:r>
+              <a:rPr lang="en-US" dirty="0" smtClean="0"/>
+              <a:t>Integrating the detections of images from the Faster R-CNN network into the DQN agent which will correct these bounding boxes based on the ground truth values from the PASCAL VOC Dataset.</a:t>
+            </a:r>
+          </a:p>
+          <a:p>
+            <a:r>
+              <a:rPr lang="en-US" dirty="0" smtClean="0"/>
+              <a:t>Tweaking the architecture of DQN agent network and use a different feature extractor as the backbone for DQN agent.</a:t>
+            </a:r>
+            <a:endParaRPr lang="en-US" dirty="0"/>
+          </a:p>
+        </p:txBody>
+      </p:sp>
+    </p:spTree>
+    <p:extLst>
+      <p:ext uri="{BB962C8B-B14F-4D97-AF65-F5344CB8AC3E}">
+        <p14:creationId xmlns:p14="http://schemas.microsoft.com/office/powerpoint/2010/main" val="2792252973"/>
+      </p:ext>
+    </p:extLst>
+  </p:cSld>
+  <p:clrMapOvr>
+    <a:masterClrMapping/>
+  </p:clrMapOvr>
+</p:sld>
+</file>
+
+<file path=ppt/slides/slide14.xml><?xml version="1.0" encoding="utf-8"?>
+<p:sld xmlns:a="http://schemas.openxmlformats.org/drawingml/2006/main" xmlns:r="http://schemas.openxmlformats.org/officeDocument/2006/relationships" xmlns:p="http://schemas.openxmlformats.org/presentationml/2006/main">
+  <p:cSld>
+    <p:spTree>
+      <p:nvGrpSpPr>
+        <p:cNvPr id="1" name=""/>
+        <p:cNvGrpSpPr/>
+        <p:nvPr/>
+      </p:nvGrpSpPr>
+      <p:grpSpPr>
+        <a:xfrm>
+          <a:off x="0" y="0"/>
+          <a:ext cx="0" cy="0"/>
+          <a:chOff x="0" y="0"/>
+          <a:chExt cx="0" cy="0"/>
+        </a:xfrm>
+      </p:grpSpPr>
+      <p:sp>
+        <p:nvSpPr>
+          <p:cNvPr id="2" name="Title 1"/>
+          <p:cNvSpPr>
+            <a:spLocks noGrp="1"/>
+          </p:cNvSpPr>
+          <p:nvPr>
+            <p:ph type="title"/>
+          </p:nvPr>
+        </p:nvSpPr>
+        <p:spPr>
+          <a:xfrm>
+            <a:off x="925285" y="2794817"/>
+            <a:ext cx="10515600" cy="1325563"/>
+          </a:xfrm>
+        </p:spPr>
+        <p:txBody>
+          <a:bodyPr/>
+          <a:lstStyle/>
+          <a:p>
+            <a:pPr algn="ctr"/>
+            <a:r>
+              <a:rPr lang="en-US" b="1" dirty="0" smtClean="0"/>
+              <a:t>THANK YOU</a:t>
+            </a:r>
+            <a:endParaRPr lang="en-US" b="1" dirty="0"/>
+          </a:p>
+        </p:txBody>
+      </p:sp>
+    </p:spTree>
+    <p:extLst>
+      <p:ext uri="{BB962C8B-B14F-4D97-AF65-F5344CB8AC3E}">
+        <p14:creationId xmlns:p14="http://schemas.microsoft.com/office/powerpoint/2010/main" val="3571347482"/>
       </p:ext>
     </p:extLst>
   </p:cSld>
@@ -4714,285 +5130,69 @@
         </p:nvSpPr>
         <p:spPr>
           <a:xfrm>
-            <a:off x="0" y="-366395"/>
+            <a:off x="0" y="-357686"/>
             <a:ext cx="10515600" cy="1325563"/>
           </a:xfrm>
         </p:spPr>
         <p:txBody>
-          <a:bodyPr/>
-          <a:lstStyle/>
-          <a:p>
-            <a:r>
-              <a:rPr lang="en-US" b="1" dirty="0" smtClean="0"/>
-              <a:t>Model Architecture</a:t>
-            </a:r>
-            <a:endParaRPr lang="en-US" b="1" dirty="0"/>
+          <a:bodyPr>
+            <a:normAutofit/>
+          </a:bodyPr>
+          <a:lstStyle/>
+          <a:p>
+            <a:r>
+              <a:rPr lang="en-US" sz="3600" b="1" dirty="0" smtClean="0"/>
+              <a:t>VGG16</a:t>
+            </a:r>
+            <a:endParaRPr lang="en-US" sz="3600" b="1" dirty="0"/>
           </a:p>
         </p:txBody>
       </p:sp>
       <p:pic>
         <p:nvPicPr>
-          <p:cNvPr id="7" name="Content Placeholder 6"/>
+          <p:cNvPr id="1026" name="Picture 2" descr="https://miro.medium.com/max/940/1*3-TqqkRQ4rWLOMX-gvkYwA.png"/>
           <p:cNvPicPr>
-            <a:picLocks noGrp="1" noChangeAspect="1"/>
+            <a:picLocks noChangeAspect="1" noChangeArrowheads="1"/>
           </p:cNvPicPr>
-          <p:nvPr>
-            <p:ph idx="1"/>
-          </p:nvPr>
+          <p:nvPr/>
         </p:nvPicPr>
         <p:blipFill>
-          <a:blip r:embed="rId2" cstate="print">
+          <a:blip r:embed="rId2">
             <a:extLst>
               <a:ext uri="{28A0092B-C50C-407E-A947-70E740481C1C}">
                 <a14:useLocalDpi xmlns:a14="http://schemas.microsoft.com/office/drawing/2010/main" val="0"/>
               </a:ext>
             </a:extLst>
           </a:blip>
+          <a:srcRect/>
           <a:stretch>
             <a:fillRect/>
           </a:stretch>
         </p:blipFill>
-        <p:spPr>
-          <a:xfrm>
-            <a:off x="4057518" y="959168"/>
-            <a:ext cx="2761441" cy="5700184"/>
-          </a:xfrm>
-        </p:spPr>
-      </p:pic>
-      <p:pic>
-        <p:nvPicPr>
-          <p:cNvPr id="8" name="Picture 7"/>
-          <p:cNvPicPr>
-            <a:picLocks noChangeAspect="1"/>
-          </p:cNvPicPr>
-          <p:nvPr/>
-        </p:nvPicPr>
-        <p:blipFill>
-          <a:blip r:embed="rId3" cstate="print">
-            <a:extLst>
-              <a:ext uri="{28A0092B-C50C-407E-A947-70E740481C1C}">
-                <a14:useLocalDpi xmlns:a14="http://schemas.microsoft.com/office/drawing/2010/main" val="0"/>
-              </a:ext>
-            </a:extLst>
-          </a:blip>
-          <a:stretch>
-            <a:fillRect/>
-          </a:stretch>
-        </p:blipFill>
-        <p:spPr>
-          <a:xfrm>
-            <a:off x="181589" y="546872"/>
-            <a:ext cx="2458139" cy="6054744"/>
-          </a:xfrm>
-          <a:prstGeom prst="rect">
-            <a:avLst/>
-          </a:prstGeom>
-        </p:spPr>
-      </p:pic>
-      <p:cxnSp>
-        <p:nvCxnSpPr>
-          <p:cNvPr id="14" name="Straight Connector 13"/>
-          <p:cNvCxnSpPr>
-            <a:stCxn id="8" idx="2"/>
-          </p:cNvCxnSpPr>
-          <p:nvPr/>
-        </p:nvCxnSpPr>
-        <p:spPr>
-          <a:xfrm>
-            <a:off x="1410659" y="6601616"/>
-            <a:ext cx="1498004" cy="0"/>
-          </a:xfrm>
-          <a:prstGeom prst="line">
-            <a:avLst/>
-          </a:prstGeom>
-        </p:spPr>
-        <p:style>
-          <a:lnRef idx="1">
-            <a:schemeClr val="dk1"/>
-          </a:lnRef>
-          <a:fillRef idx="0">
-            <a:schemeClr val="dk1"/>
-          </a:fillRef>
-          <a:effectRef idx="0">
-            <a:schemeClr val="dk1"/>
-          </a:effectRef>
-          <a:fontRef idx="minor">
-            <a:schemeClr val="tx1"/>
-          </a:fontRef>
-        </p:style>
-      </p:cxnSp>
-      <p:cxnSp>
-        <p:nvCxnSpPr>
-          <p:cNvPr id="18" name="Straight Connector 17"/>
-          <p:cNvCxnSpPr/>
-          <p:nvPr/>
-        </p:nvCxnSpPr>
-        <p:spPr>
-          <a:xfrm flipV="1">
-            <a:off x="2908663" y="635726"/>
-            <a:ext cx="0" cy="5965890"/>
-          </a:xfrm>
-          <a:prstGeom prst="line">
-            <a:avLst/>
-          </a:prstGeom>
-        </p:spPr>
-        <p:style>
-          <a:lnRef idx="1">
-            <a:schemeClr val="dk1"/>
-          </a:lnRef>
-          <a:fillRef idx="0">
-            <a:schemeClr val="dk1"/>
-          </a:fillRef>
-          <a:effectRef idx="0">
-            <a:schemeClr val="dk1"/>
-          </a:effectRef>
-          <a:fontRef idx="minor">
-            <a:schemeClr val="tx1"/>
-          </a:fontRef>
-        </p:style>
-      </p:cxnSp>
-      <p:cxnSp>
-        <p:nvCxnSpPr>
-          <p:cNvPr id="20" name="Straight Connector 19"/>
-          <p:cNvCxnSpPr/>
-          <p:nvPr/>
-        </p:nvCxnSpPr>
-        <p:spPr>
-          <a:xfrm>
-            <a:off x="2908663" y="635726"/>
-            <a:ext cx="2534194" cy="0"/>
-          </a:xfrm>
-          <a:prstGeom prst="line">
-            <a:avLst/>
-          </a:prstGeom>
-        </p:spPr>
-        <p:style>
-          <a:lnRef idx="1">
-            <a:schemeClr val="dk1"/>
-          </a:lnRef>
-          <a:fillRef idx="0">
-            <a:schemeClr val="dk1"/>
-          </a:fillRef>
-          <a:effectRef idx="0">
-            <a:schemeClr val="dk1"/>
-          </a:effectRef>
-          <a:fontRef idx="minor">
-            <a:schemeClr val="tx1"/>
-          </a:fontRef>
-        </p:style>
-      </p:cxnSp>
-      <p:cxnSp>
-        <p:nvCxnSpPr>
-          <p:cNvPr id="22" name="Straight Arrow Connector 21"/>
-          <p:cNvCxnSpPr/>
-          <p:nvPr/>
-        </p:nvCxnSpPr>
-        <p:spPr>
-          <a:xfrm flipH="1">
-            <a:off x="5438239" y="638719"/>
-            <a:ext cx="8840" cy="320449"/>
-          </a:xfrm>
-          <a:prstGeom prst="straightConnector1">
-            <a:avLst/>
-          </a:prstGeom>
-          <a:ln>
-            <a:tailEnd type="triangle"/>
-          </a:ln>
-        </p:spPr>
-        <p:style>
-          <a:lnRef idx="1">
-            <a:schemeClr val="dk1"/>
-          </a:lnRef>
-          <a:fillRef idx="0">
-            <a:schemeClr val="dk1"/>
-          </a:fillRef>
-          <a:effectRef idx="0">
-            <a:schemeClr val="dk1"/>
-          </a:effectRef>
-          <a:fontRef idx="minor">
-            <a:schemeClr val="tx1"/>
-          </a:fontRef>
-        </p:style>
-      </p:cxnSp>
-      <p:sp>
-        <p:nvSpPr>
-          <p:cNvPr id="29" name="TextBox 28"/>
-          <p:cNvSpPr txBox="1"/>
-          <p:nvPr/>
-        </p:nvSpPr>
-        <p:spPr>
-          <a:xfrm>
-            <a:off x="7219406" y="1489166"/>
-            <a:ext cx="4650377" cy="4247317"/>
+        <p:spPr bwMode="auto">
+          <a:xfrm>
+            <a:off x="1749243" y="824047"/>
+            <a:ext cx="8784812" cy="5158741"/>
           </a:xfrm>
           <a:prstGeom prst="rect">
             <a:avLst/>
           </a:prstGeom>
           <a:noFill/>
-        </p:spPr>
-        <p:txBody>
-          <a:bodyPr wrap="square" rtlCol="0">
-            <a:spAutoFit/>
-          </a:bodyPr>
-          <a:lstStyle/>
-          <a:p>
-            <a:pPr marL="285750" indent="-285750">
-              <a:buFont typeface="Arial" panose="020B0604020202020204" pitchFamily="34" charset="0"/>
-              <a:buChar char="•"/>
-            </a:pPr>
-            <a:r>
-              <a:rPr lang="en-US" dirty="0" smtClean="0"/>
-              <a:t>The change between the original VGG-16 and the modified version used here is instead of choosing 2 Fully Connected Layers of 4096 neurons, they were reduced to 1024 neurons and an extra Fully Connected layer was added to the network. So in total it the modified network had 4 </a:t>
-            </a:r>
-            <a:r>
-              <a:rPr lang="en-US" smtClean="0"/>
-              <a:t>Fully connected layers. </a:t>
-            </a:r>
-            <a:endParaRPr lang="en-US" dirty="0" smtClean="0"/>
-          </a:p>
-          <a:p>
-            <a:pPr marL="285750" indent="-285750">
-              <a:buFont typeface="Arial" panose="020B0604020202020204" pitchFamily="34" charset="0"/>
-              <a:buChar char="•"/>
-            </a:pPr>
-            <a:r>
-              <a:rPr lang="en-US" dirty="0" smtClean="0"/>
-              <a:t>The </a:t>
-            </a:r>
-            <a:r>
-              <a:rPr lang="en-US" dirty="0" err="1" smtClean="0"/>
-              <a:t>mAP</a:t>
-            </a:r>
-            <a:r>
-              <a:rPr lang="en-US" dirty="0" smtClean="0"/>
-              <a:t> value came out at around 63% which is definitely less that the original mentioned as 69.9% and the reason can be attributed to lower feature map size. </a:t>
-            </a:r>
-          </a:p>
-          <a:p>
-            <a:pPr marL="285750" indent="-285750">
-              <a:buFont typeface="Arial" panose="020B0604020202020204" pitchFamily="34" charset="0"/>
-              <a:buChar char="•"/>
-            </a:pPr>
-            <a:r>
-              <a:rPr lang="en-US" dirty="0" smtClean="0">
+          <a:extLst>
+            <a:ext uri="{909E8E84-426E-40DD-AFC4-6F175D3DCCD1}">
+              <a14:hiddenFill xmlns:a14="http://schemas.microsoft.com/office/drawing/2010/main">
                 <a:solidFill>
-                  <a:srgbClr val="FF0000"/>
+                  <a:srgbClr val="FFFFFF"/>
                 </a:solidFill>
-              </a:rPr>
-              <a:t>The main point of implementation gave a very good result with the AP of “Person” Class in PASCAL VOC 2007 is 69.93%</a:t>
-            </a:r>
-            <a:endParaRPr lang="en-US" dirty="0">
-              <a:solidFill>
-                <a:srgbClr val="FF0000"/>
-              </a:solidFill>
-            </a:endParaRPr>
-          </a:p>
-        </p:txBody>
-      </p:sp>
+              </a14:hiddenFill>
+            </a:ext>
+          </a:extLst>
+        </p:spPr>
+      </p:pic>
     </p:spTree>
     <p:extLst>
       <p:ext uri="{BB962C8B-B14F-4D97-AF65-F5344CB8AC3E}">
-        <p14:creationId xmlns:p14="http://schemas.microsoft.com/office/powerpoint/2010/main" val="3417888136"/>
+        <p14:creationId xmlns:p14="http://schemas.microsoft.com/office/powerpoint/2010/main" val="3869124652"/>
       </p:ext>
     </p:extLst>
   </p:cSld>
@@ -5019,9 +5219,37 @@
           <a:chExt cx="0" cy="0"/>
         </a:xfrm>
       </p:grpSpPr>
+      <p:sp>
+        <p:nvSpPr>
+          <p:cNvPr id="2" name="Title 1"/>
+          <p:cNvSpPr>
+            <a:spLocks noGrp="1"/>
+          </p:cNvSpPr>
+          <p:nvPr>
+            <p:ph type="title"/>
+          </p:nvPr>
+        </p:nvSpPr>
+        <p:spPr>
+          <a:xfrm>
+            <a:off x="0" y="-366395"/>
+            <a:ext cx="10515600" cy="1325563"/>
+          </a:xfrm>
+        </p:spPr>
+        <p:txBody>
+          <a:bodyPr/>
+          <a:lstStyle/>
+          <a:p>
+            <a:r>
+              <a:rPr lang="en-US" b="1" dirty="0" smtClean="0"/>
+              <a:t>Model Architecture</a:t>
+            </a:r>
+            <a:endParaRPr lang="en-US" b="1" dirty="0"/>
+          </a:p>
+        </p:txBody>
+      </p:sp>
       <p:pic>
         <p:nvPicPr>
-          <p:cNvPr id="4" name="Content Placeholder 3"/>
+          <p:cNvPr id="7" name="Content Placeholder 6"/>
           <p:cNvPicPr>
             <a:picLocks noGrp="1" noChangeAspect="1"/>
           </p:cNvPicPr>
@@ -5030,7 +5258,7 @@
           </p:nvPr>
         </p:nvPicPr>
         <p:blipFill>
-          <a:blip r:embed="rId2">
+          <a:blip r:embed="rId2" cstate="print">
             <a:extLst>
               <a:ext uri="{28A0092B-C50C-407E-A947-70E740481C1C}">
                 <a14:useLocalDpi xmlns:a14="http://schemas.microsoft.com/office/drawing/2010/main" val="0"/>
@@ -5043,21 +5271,21 @@
         </p:blipFill>
         <p:spPr>
           <a:xfrm>
-            <a:off x="277623" y="144870"/>
-            <a:ext cx="4747224" cy="2877803"/>
+            <a:off x="4057518" y="959168"/>
+            <a:ext cx="2761441" cy="5700184"/>
           </a:xfrm>
         </p:spPr>
       </p:pic>
       <p:pic>
         <p:nvPicPr>
-          <p:cNvPr id="5" name="Picture 4"/>
+          <p:cNvPr id="8" name="Picture 7"/>
           <p:cNvPicPr>
             <a:picLocks noChangeAspect="1"/>
           </p:cNvPicPr>
           <p:nvPr/>
         </p:nvPicPr>
         <p:blipFill>
-          <a:blip r:embed="rId3">
+          <a:blip r:embed="rId3" cstate="print">
             <a:extLst>
               <a:ext uri="{28A0092B-C50C-407E-A947-70E740481C1C}">
                 <a14:useLocalDpi xmlns:a14="http://schemas.microsoft.com/office/drawing/2010/main" val="0"/>
@@ -5070,24 +5298,149 @@
         </p:blipFill>
         <p:spPr>
           <a:xfrm>
-            <a:off x="6467919" y="144869"/>
-            <a:ext cx="4747224" cy="2877803"/>
+            <a:off x="181589" y="546872"/>
+            <a:ext cx="2458139" cy="6054744"/>
           </a:xfrm>
           <a:prstGeom prst="rect">
             <a:avLst/>
           </a:prstGeom>
         </p:spPr>
       </p:pic>
-      <p:sp>
-        <p:nvSpPr>
-          <p:cNvPr id="6" name="TextBox 5"/>
+      <p:cxnSp>
+        <p:nvCxnSpPr>
+          <p:cNvPr id="14" name="Straight Connector 13"/>
+          <p:cNvCxnSpPr>
+            <a:stCxn id="8" idx="2"/>
+          </p:cNvCxnSpPr>
+          <p:nvPr/>
+        </p:nvCxnSpPr>
+        <p:spPr>
+          <a:xfrm>
+            <a:off x="1410659" y="6601616"/>
+            <a:ext cx="1498004" cy="0"/>
+          </a:xfrm>
+          <a:prstGeom prst="line">
+            <a:avLst/>
+          </a:prstGeom>
+        </p:spPr>
+        <p:style>
+          <a:lnRef idx="1">
+            <a:schemeClr val="dk1"/>
+          </a:lnRef>
+          <a:fillRef idx="0">
+            <a:schemeClr val="dk1"/>
+          </a:fillRef>
+          <a:effectRef idx="0">
+            <a:schemeClr val="dk1"/>
+          </a:effectRef>
+          <a:fontRef idx="minor">
+            <a:schemeClr val="tx1"/>
+          </a:fontRef>
+        </p:style>
+      </p:cxnSp>
+      <p:cxnSp>
+        <p:nvCxnSpPr>
+          <p:cNvPr id="18" name="Straight Connector 17"/>
+          <p:cNvCxnSpPr/>
+          <p:nvPr/>
+        </p:nvCxnSpPr>
+        <p:spPr>
+          <a:xfrm flipV="1">
+            <a:off x="2908663" y="635726"/>
+            <a:ext cx="0" cy="5965890"/>
+          </a:xfrm>
+          <a:prstGeom prst="line">
+            <a:avLst/>
+          </a:prstGeom>
+        </p:spPr>
+        <p:style>
+          <a:lnRef idx="1">
+            <a:schemeClr val="dk1"/>
+          </a:lnRef>
+          <a:fillRef idx="0">
+            <a:schemeClr val="dk1"/>
+          </a:fillRef>
+          <a:effectRef idx="0">
+            <a:schemeClr val="dk1"/>
+          </a:effectRef>
+          <a:fontRef idx="minor">
+            <a:schemeClr val="tx1"/>
+          </a:fontRef>
+        </p:style>
+      </p:cxnSp>
+      <p:cxnSp>
+        <p:nvCxnSpPr>
+          <p:cNvPr id="20" name="Straight Connector 19"/>
+          <p:cNvCxnSpPr/>
+          <p:nvPr/>
+        </p:nvCxnSpPr>
+        <p:spPr>
+          <a:xfrm>
+            <a:off x="2908663" y="635726"/>
+            <a:ext cx="2534194" cy="0"/>
+          </a:xfrm>
+          <a:prstGeom prst="line">
+            <a:avLst/>
+          </a:prstGeom>
+        </p:spPr>
+        <p:style>
+          <a:lnRef idx="1">
+            <a:schemeClr val="dk1"/>
+          </a:lnRef>
+          <a:fillRef idx="0">
+            <a:schemeClr val="dk1"/>
+          </a:fillRef>
+          <a:effectRef idx="0">
+            <a:schemeClr val="dk1"/>
+          </a:effectRef>
+          <a:fontRef idx="minor">
+            <a:schemeClr val="tx1"/>
+          </a:fontRef>
+        </p:style>
+      </p:cxnSp>
+      <p:cxnSp>
+        <p:nvCxnSpPr>
+          <p:cNvPr id="22" name="Straight Arrow Connector 21"/>
+          <p:cNvCxnSpPr/>
+          <p:nvPr/>
+        </p:nvCxnSpPr>
+        <p:spPr>
+          <a:xfrm flipH="1">
+            <a:off x="5438239" y="638719"/>
+            <a:ext cx="8840" cy="320449"/>
+          </a:xfrm>
+          <a:prstGeom prst="straightConnector1">
+            <a:avLst/>
+          </a:prstGeom>
+          <a:ln>
+            <a:tailEnd type="triangle"/>
+          </a:ln>
+        </p:spPr>
+        <p:style>
+          <a:lnRef idx="1">
+            <a:schemeClr val="dk1"/>
+          </a:lnRef>
+          <a:fillRef idx="0">
+            <a:schemeClr val="dk1"/>
+          </a:fillRef>
+          <a:effectRef idx="0">
+            <a:schemeClr val="dk1"/>
+          </a:effectRef>
+          <a:fontRef idx="minor">
+            <a:schemeClr val="tx1"/>
+          </a:fontRef>
+        </p:style>
+      </p:cxnSp>
+      <p:sp>
+        <p:nvSpPr>
+          <p:cNvPr id="29" name="TextBox 28"/>
           <p:cNvSpPr txBox="1"/>
           <p:nvPr/>
         </p:nvSpPr>
         <p:spPr>
           <a:xfrm>
-            <a:off x="1166948" y="3128341"/>
-            <a:ext cx="4519749" cy="369332"/>
+            <a:off x="7219406" y="1489166"/>
+            <a:ext cx="4650377" cy="4247317"/>
           </a:xfrm>
           <a:prstGeom prst="rect">
             <a:avLst/>
@@ -5100,182 +5453,63 @@
           </a:bodyPr>
           <a:lstStyle/>
           <a:p>
+            <a:pPr marL="285750" indent="-285750">
+              <a:buFont typeface="Arial" panose="020B0604020202020204" pitchFamily="34" charset="0"/>
+              <a:buChar char="•"/>
+            </a:pPr>
+            <a:r>
+              <a:rPr lang="en-US" dirty="0" smtClean="0"/>
+              <a:t>The change between the original VGG-16 and the modified version used here is instead of choosing 2 Fully Connected Layers of 4096 neurons, they were reduced to 1024 neurons and an extra Fully Connected layer was added to the network. So in total it the modified network had 4 </a:t>
+            </a:r>
+            <a:r>
+              <a:rPr lang="en-US" smtClean="0"/>
+              <a:t>Fully connected layers. </a:t>
+            </a:r>
+            <a:endParaRPr lang="en-US" dirty="0" smtClean="0"/>
+          </a:p>
+          <a:p>
+            <a:pPr marL="285750" indent="-285750">
+              <a:buFont typeface="Arial" panose="020B0604020202020204" pitchFamily="34" charset="0"/>
+              <a:buChar char="•"/>
+            </a:pPr>
+            <a:r>
+              <a:rPr lang="en-US" dirty="0" smtClean="0"/>
+              <a:t>The </a:t>
+            </a:r>
             <a:r>
               <a:rPr lang="en-US" dirty="0" err="1" smtClean="0"/>
-              <a:t>Pretrained</a:t>
+              <a:t>mAP</a:t>
             </a:r>
             <a:r>
               <a:rPr lang="en-US" dirty="0" smtClean="0"/>
-              <a:t>, 3 FC Layers, 8 Epochs</a:t>
-            </a:r>
-            <a:endParaRPr lang="en-US" dirty="0"/>
-          </a:p>
-        </p:txBody>
-      </p:sp>
-      <p:sp>
-        <p:nvSpPr>
-          <p:cNvPr id="7" name="TextBox 6"/>
-          <p:cNvSpPr txBox="1"/>
-          <p:nvPr/>
-        </p:nvSpPr>
-        <p:spPr>
-          <a:xfrm>
-            <a:off x="7170780" y="3128341"/>
-            <a:ext cx="4519749" cy="369332"/>
-          </a:xfrm>
-          <a:prstGeom prst="rect">
-            <a:avLst/>
-          </a:prstGeom>
-          <a:noFill/>
-        </p:spPr>
-        <p:txBody>
-          <a:bodyPr wrap="square" rtlCol="0">
-            <a:spAutoFit/>
-          </a:bodyPr>
-          <a:lstStyle/>
-          <a:p>
-            <a:r>
-              <a:rPr lang="en-US" dirty="0" err="1" smtClean="0"/>
-              <a:t>Pretrained</a:t>
-            </a:r>
-            <a:r>
-              <a:rPr lang="en-US" dirty="0" smtClean="0"/>
-              <a:t>, 6 FC Layers, 8 Epochs</a:t>
-            </a:r>
-            <a:endParaRPr lang="en-US" dirty="0"/>
-          </a:p>
-        </p:txBody>
-      </p:sp>
-      <p:pic>
-        <p:nvPicPr>
-          <p:cNvPr id="8" name="Picture 7"/>
-          <p:cNvPicPr>
-            <a:picLocks noChangeAspect="1"/>
-          </p:cNvPicPr>
-          <p:nvPr/>
-        </p:nvPicPr>
-        <p:blipFill>
-          <a:blip r:embed="rId4">
-            <a:extLst>
-              <a:ext uri="{28A0092B-C50C-407E-A947-70E740481C1C}">
-                <a14:useLocalDpi xmlns:a14="http://schemas.microsoft.com/office/drawing/2010/main" val="0"/>
-              </a:ext>
-            </a:extLst>
-          </a:blip>
-          <a:stretch>
-            <a:fillRect/>
-          </a:stretch>
-        </p:blipFill>
-        <p:spPr>
-          <a:xfrm>
-            <a:off x="2264229" y="3540816"/>
-            <a:ext cx="5319440" cy="3224685"/>
-          </a:xfrm>
-          <a:prstGeom prst="rect">
-            <a:avLst/>
-          </a:prstGeom>
-        </p:spPr>
-      </p:pic>
-      <p:sp>
-        <p:nvSpPr>
-          <p:cNvPr id="9" name="TextBox 8"/>
-          <p:cNvSpPr txBox="1"/>
-          <p:nvPr/>
-        </p:nvSpPr>
-        <p:spPr>
-          <a:xfrm>
-            <a:off x="7780379" y="5318622"/>
-            <a:ext cx="3662683" cy="369332"/>
-          </a:xfrm>
-          <a:prstGeom prst="rect">
-            <a:avLst/>
-          </a:prstGeom>
-          <a:noFill/>
-        </p:spPr>
-        <p:txBody>
-          <a:bodyPr wrap="square" rtlCol="0">
-            <a:spAutoFit/>
-          </a:bodyPr>
-          <a:lstStyle/>
-          <a:p>
-            <a:r>
-              <a:rPr lang="en-US" dirty="0" err="1" smtClean="0"/>
-              <a:t>Pretrained</a:t>
-            </a:r>
-            <a:r>
-              <a:rPr lang="en-US" dirty="0" smtClean="0"/>
-              <a:t>, 3 FC Layers, 12 Epochs</a:t>
-            </a:r>
-            <a:endParaRPr lang="en-US" dirty="0"/>
-          </a:p>
-        </p:txBody>
-      </p:sp>
-      <p:sp>
-        <p:nvSpPr>
-          <p:cNvPr id="10" name="TextBox 9"/>
-          <p:cNvSpPr txBox="1"/>
-          <p:nvPr/>
-        </p:nvSpPr>
-        <p:spPr>
-          <a:xfrm>
-            <a:off x="7881257" y="6000206"/>
-            <a:ext cx="4014652" cy="646331"/>
-          </a:xfrm>
-          <a:prstGeom prst="rect">
-            <a:avLst/>
-          </a:prstGeom>
-          <a:noFill/>
-        </p:spPr>
-        <p:txBody>
-          <a:bodyPr wrap="square" rtlCol="0">
-            <a:spAutoFit/>
-          </a:bodyPr>
-          <a:lstStyle/>
-          <a:p>
-            <a:r>
-              <a:rPr lang="en-US" dirty="0" smtClean="0"/>
-              <a:t>Total Loss Plots ~ Consisting of </a:t>
-            </a:r>
-            <a:r>
-              <a:rPr lang="en-US" dirty="0" err="1" smtClean="0"/>
-              <a:t>RoI</a:t>
-            </a:r>
-            <a:r>
-              <a:rPr lang="en-US" dirty="0" smtClean="0"/>
-              <a:t> </a:t>
-            </a:r>
-            <a:r>
-              <a:rPr lang="en-US" dirty="0" err="1" smtClean="0"/>
-              <a:t>Bbox</a:t>
-            </a:r>
-            <a:r>
-              <a:rPr lang="en-US" dirty="0" smtClean="0"/>
-              <a:t> </a:t>
-            </a:r>
-            <a:r>
-              <a:rPr lang="en-US" dirty="0"/>
-              <a:t>+</a:t>
-            </a:r>
-            <a:r>
-              <a:rPr lang="en-US" dirty="0" smtClean="0"/>
-              <a:t>Class Loss+ RPN </a:t>
-            </a:r>
-            <a:r>
-              <a:rPr lang="en-US" dirty="0" err="1" smtClean="0"/>
-              <a:t>Bbox</a:t>
-            </a:r>
-            <a:r>
-              <a:rPr lang="en-US" dirty="0" smtClean="0"/>
-              <a:t> + Class Loss</a:t>
-            </a:r>
-            <a:endParaRPr lang="en-US" dirty="0"/>
+              <a:t> value came out at around 63% which is definitely less that the original mentioned as 69.9% and the reason can be attributed to lower feature map size. </a:t>
+            </a:r>
+          </a:p>
+          <a:p>
+            <a:pPr marL="285750" indent="-285750">
+              <a:buFont typeface="Arial" panose="020B0604020202020204" pitchFamily="34" charset="0"/>
+              <a:buChar char="•"/>
+            </a:pPr>
+            <a:r>
+              <a:rPr lang="en-US" dirty="0" smtClean="0">
+                <a:solidFill>
+                  <a:srgbClr val="FF0000"/>
+                </a:solidFill>
+              </a:rPr>
+              <a:t>The main point of implementation gave a very good result with the AP of “Person” Class in PASCAL VOC 2007 is 69.93%</a:t>
+            </a:r>
+            <a:endParaRPr lang="en-US" dirty="0">
+              <a:solidFill>
+                <a:srgbClr val="FF0000"/>
+              </a:solidFill>
+            </a:endParaRPr>
           </a:p>
         </p:txBody>
       </p:sp>
     </p:spTree>
     <p:extLst>
       <p:ext uri="{BB962C8B-B14F-4D97-AF65-F5344CB8AC3E}">
-        <p14:creationId xmlns:p14="http://schemas.microsoft.com/office/powerpoint/2010/main" val="2173142999"/>
+        <p14:creationId xmlns:p14="http://schemas.microsoft.com/office/powerpoint/2010/main" val="3417888136"/>
       </p:ext>
     </p:extLst>
   </p:cSld>
